--- a/Class11_django_templates2/django_templates_part2.pptx
+++ b/Class11_django_templates2/django_templates_part2.pptx
@@ -221,7 +221,7 @@
           <a:p>
             <a:fld id="{35FE7589-C59F-FF46-8FBF-FAF974C06CCE}" type="datetimeFigureOut">
               <a:rPr lang="en-US" smtClean="0"/>
-              <a:t>2/16/13</a:t>
+              <a:t>2/16/14</a:t>
             </a:fld>
             <a:endParaRPr lang="en-US"/>
           </a:p>
@@ -680,7 +680,7 @@
           <a:p>
             <a:fld id="{A669C0BA-EDF4-C14E-BDB7-78028276B04E}" type="datetimeFigureOut">
               <a:rPr lang="en-US" smtClean="0"/>
-              <a:t>2/16/13</a:t>
+              <a:t>2/16/14</a:t>
             </a:fld>
             <a:endParaRPr lang="en-US"/>
           </a:p>
@@ -864,7 +864,7 @@
           <a:p>
             <a:fld id="{A669C0BA-EDF4-C14E-BDB7-78028276B04E}" type="datetimeFigureOut">
               <a:rPr lang="en-US" smtClean="0"/>
-              <a:t>2/16/13</a:t>
+              <a:t>2/16/14</a:t>
             </a:fld>
             <a:endParaRPr lang="en-US"/>
           </a:p>
@@ -1058,7 +1058,7 @@
           <a:p>
             <a:fld id="{A669C0BA-EDF4-C14E-BDB7-78028276B04E}" type="datetimeFigureOut">
               <a:rPr lang="en-US" smtClean="0"/>
-              <a:t>2/16/13</a:t>
+              <a:t>2/16/14</a:t>
             </a:fld>
             <a:endParaRPr lang="en-US"/>
           </a:p>
@@ -1242,7 +1242,7 @@
           <a:p>
             <a:fld id="{A669C0BA-EDF4-C14E-BDB7-78028276B04E}" type="datetimeFigureOut">
               <a:rPr lang="en-US" smtClean="0"/>
-              <a:t>2/16/13</a:t>
+              <a:t>2/16/14</a:t>
             </a:fld>
             <a:endParaRPr lang="en-US"/>
           </a:p>
@@ -1496,7 +1496,7 @@
           <a:p>
             <a:fld id="{A669C0BA-EDF4-C14E-BDB7-78028276B04E}" type="datetimeFigureOut">
               <a:rPr lang="en-US" smtClean="0"/>
-              <a:t>2/16/13</a:t>
+              <a:t>2/16/14</a:t>
             </a:fld>
             <a:endParaRPr lang="en-US"/>
           </a:p>
@@ -1798,7 +1798,7 @@
           <a:p>
             <a:fld id="{A669C0BA-EDF4-C14E-BDB7-78028276B04E}" type="datetimeFigureOut">
               <a:rPr lang="en-US" smtClean="0"/>
-              <a:t>2/16/13</a:t>
+              <a:t>2/16/14</a:t>
             </a:fld>
             <a:endParaRPr lang="en-US"/>
           </a:p>
@@ -2261,7 +2261,7 @@
           <a:p>
             <a:fld id="{A669C0BA-EDF4-C14E-BDB7-78028276B04E}" type="datetimeFigureOut">
               <a:rPr lang="en-US" smtClean="0"/>
-              <a:t>2/16/13</a:t>
+              <a:t>2/16/14</a:t>
             </a:fld>
             <a:endParaRPr lang="en-US"/>
           </a:p>
@@ -2420,7 +2420,7 @@
           <a:p>
             <a:fld id="{A669C0BA-EDF4-C14E-BDB7-78028276B04E}" type="datetimeFigureOut">
               <a:rPr lang="en-US" smtClean="0"/>
-              <a:t>2/16/13</a:t>
+              <a:t>2/16/14</a:t>
             </a:fld>
             <a:endParaRPr lang="en-US"/>
           </a:p>
@@ -2515,7 +2515,7 @@
           <a:p>
             <a:fld id="{A669C0BA-EDF4-C14E-BDB7-78028276B04E}" type="datetimeFigureOut">
               <a:rPr lang="en-US" smtClean="0"/>
-              <a:t>2/16/13</a:t>
+              <a:t>2/16/14</a:t>
             </a:fld>
             <a:endParaRPr lang="en-US"/>
           </a:p>
@@ -2810,7 +2810,7 @@
           <a:p>
             <a:fld id="{A669C0BA-EDF4-C14E-BDB7-78028276B04E}" type="datetimeFigureOut">
               <a:rPr lang="en-US" smtClean="0"/>
-              <a:t>2/16/13</a:t>
+              <a:t>2/16/14</a:t>
             </a:fld>
             <a:endParaRPr lang="en-US"/>
           </a:p>
@@ -3081,7 +3081,7 @@
           <a:p>
             <a:fld id="{A669C0BA-EDF4-C14E-BDB7-78028276B04E}" type="datetimeFigureOut">
               <a:rPr lang="en-US" smtClean="0"/>
-              <a:t>2/16/13</a:t>
+              <a:t>2/16/14</a:t>
             </a:fld>
             <a:endParaRPr lang="en-US"/>
           </a:p>
@@ -3294,7 +3294,7 @@
           <a:p>
             <a:fld id="{A669C0BA-EDF4-C14E-BDB7-78028276B04E}" type="datetimeFigureOut">
               <a:rPr lang="en-US" smtClean="0"/>
-              <a:t>2/16/13</a:t>
+              <a:t>2/16/14</a:t>
             </a:fld>
             <a:endParaRPr lang="en-US"/>
           </a:p>
@@ -4683,7 +4683,7 @@
       </p:sp>
       <p:sp>
         <p:nvSpPr>
-          <p:cNvPr id="3" name="Content Placeholder 2"/>
+          <p:cNvPr id="6" name="Content Placeholder 5"/>
           <p:cNvSpPr>
             <a:spLocks noGrp="1"/>
           </p:cNvSpPr>
@@ -4702,7 +4702,7 @@
       </p:sp>
       <p:pic>
         <p:nvPicPr>
-          <p:cNvPr id="4" name="Picture 3" descr="Screen Shot 2013-02-16 at 9.09.51 PM.png"/>
+          <p:cNvPr id="7" name="Picture 6" descr="Screen Shot 2014-02-16 at 10.51.07 PM.png"/>
           <p:cNvPicPr>
             <a:picLocks noChangeAspect="1"/>
           </p:cNvPicPr>
@@ -4722,8 +4722,8 @@
         </p:blipFill>
         <p:spPr>
           <a:xfrm>
-            <a:off x="0" y="1384436"/>
-            <a:ext cx="9144000" cy="3465286"/>
+            <a:off x="0" y="2077826"/>
+            <a:ext cx="9144000" cy="3343146"/>
           </a:xfrm>
           <a:prstGeom prst="rect">
             <a:avLst/>
@@ -6361,7 +6361,7 @@
       </p:sp>
       <p:pic>
         <p:nvPicPr>
-          <p:cNvPr id="4" name="Picture 3" descr="Screen Shot 2013-02-16 at 4.46.00 PM.png"/>
+          <p:cNvPr id="6" name="Picture 5" descr="Screen Shot 2014-02-16 at 10.51.07 PM.png"/>
           <p:cNvPicPr>
             <a:picLocks noChangeAspect="1"/>
           </p:cNvPicPr>
@@ -6381,8 +6381,8 @@
         </p:blipFill>
         <p:spPr>
           <a:xfrm>
-            <a:off x="0" y="2441372"/>
-            <a:ext cx="9144000" cy="3041817"/>
+            <a:off x="0" y="2448117"/>
+            <a:ext cx="9144000" cy="3343146"/>
           </a:xfrm>
           <a:prstGeom prst="rect">
             <a:avLst/>

--- a/Class11_django_templates2/django_templates_part2.pptx
+++ b/Class11_django_templates2/django_templates_part2.pptx
@@ -6222,7 +6222,7 @@
         <p:spPr/>
         <p:txBody>
           <a:bodyPr>
-            <a:normAutofit/>
+            <a:normAutofit lnSpcReduction="10000"/>
           </a:bodyPr>
           <a:lstStyle/>
           <a:p>
@@ -6250,20 +6250,24 @@
               <a:rPr lang="en-US" dirty="0">
                 <a:hlinkClick r:id="rId2"/>
               </a:rPr>
-              <a:t>http://steventking.com/clients/</a:t>
+              <a:t>https://raw.github.com/steven-king/django-teaching-roster/master/data_jsons/</a:t>
             </a:r>
             <a:r>
               <a:rPr lang="en-US" dirty="0" smtClean="0">
                 <a:hlinkClick r:id="rId2"/>
               </a:rPr>
-              <a:t>data_students_withimage.json</a:t>
+              <a:t>data_students_image.json</a:t>
             </a:r>
             <a:endParaRPr lang="en-US" dirty="0" smtClean="0"/>
           </a:p>
           <a:p>
             <a:r>
               <a:rPr lang="en-US" dirty="0" smtClean="0"/>
-              <a:t>Change Models, Dump DB, Sync DB, Add to Views, Add to template</a:t>
+              <a:t>Change </a:t>
+            </a:r>
+            <a:r>
+              <a:rPr lang="en-US" dirty="0" smtClean="0"/>
+              <a:t>Models, Dump DB, Sync DB, Add to Views, Add to template</a:t>
             </a:r>
           </a:p>
           <a:p>
@@ -6769,7 +6773,23 @@
           <a:p>
             <a:r>
               <a:rPr lang="en-US" dirty="0" smtClean="0"/>
-              <a:t>curl http://twitter.github.com/bootstrap/assets/bootstrap.zip &gt; </a:t>
+              <a:t>curl </a:t>
+            </a:r>
+            <a:r>
+              <a:rPr lang="en-US" dirty="0">
+                <a:hlinkClick r:id="rId2"/>
+              </a:rPr>
+              <a:t>https://github.com/twbs/bootstrap/releases/download/v3.1.1/bootstrap-3.1.1-</a:t>
+            </a:r>
+            <a:r>
+              <a:rPr lang="en-US" dirty="0" smtClean="0">
+                <a:hlinkClick r:id="rId2"/>
+              </a:rPr>
+              <a:t>dist.zip</a:t>
+            </a:r>
+            <a:r>
+              <a:rPr lang="en-US" dirty="0" smtClean="0"/>
+              <a:t> &gt; </a:t>
             </a:r>
             <a:r>
               <a:rPr lang="en-US" dirty="0" err="1" smtClean="0"/>
@@ -6788,7 +6808,7 @@
           <p:nvPr/>
         </p:nvPicPr>
         <p:blipFill>
-          <a:blip r:embed="rId2">
+          <a:blip r:embed="rId3">
             <a:extLst>
               <a:ext uri="{28A0092B-C50C-407E-A947-70E740481C1C}">
                 <a14:useLocalDpi xmlns:a14="http://schemas.microsoft.com/office/drawing/2010/main" val="0"/>
@@ -6801,7 +6821,7 @@
         </p:blipFill>
         <p:spPr>
           <a:xfrm>
-            <a:off x="0" y="3471829"/>
+            <a:off x="0" y="3813737"/>
             <a:ext cx="9144000" cy="3744405"/>
           </a:xfrm>
           <a:prstGeom prst="rect">
